--- a/01-Basics/PowerPoints/JAVASCRIPT-INTRODUCTION.pptx
+++ b/01-Basics/PowerPoints/JAVASCRIPT-INTRODUCTION.pptx
@@ -340,7 +340,7 @@
           </a:lstStyle>
           <a:p>
             <a:fld id="{CA869C63-99CE-7C40-A7E9-3930C61B23AB}" type="datetimeFigureOut">
-              <a:t>10/17/2018</a:t>
+              <a:t>3/6/2019</a:t>
             </a:fld>
             <a:endParaRPr lang="en-US" dirty="0"/>
           </a:p>
@@ -505,7 +505,7 @@
           <a:p>
             <a:fld id="{E3E59D94-626A-4CE8-9932-5221A04BF234}" type="datetimeFigureOut">
               <a:rPr lang="en-US" smtClean="0"/>
-              <a:t>10/17/2018</a:t>
+              <a:t>3/6/2019</a:t>
             </a:fld>
             <a:endParaRPr lang="en-US" dirty="0"/>
           </a:p>
@@ -858,6 +858,105 @@
 </file>
 
 <file path=ppt/notesSlides/notesSlide2.xml><?xml version="1.0" encoding="utf-8"?>
+<p:notes xmlns:a="http://schemas.openxmlformats.org/drawingml/2006/main" xmlns:r="http://schemas.openxmlformats.org/officeDocument/2006/relationships" xmlns:p="http://schemas.openxmlformats.org/presentationml/2006/main">
+  <p:cSld>
+    <p:spTree>
+      <p:nvGrpSpPr>
+        <p:cNvPr id="1" name=""/>
+        <p:cNvGrpSpPr/>
+        <p:nvPr/>
+      </p:nvGrpSpPr>
+      <p:grpSpPr>
+        <a:xfrm>
+          <a:off x="0" y="0"/>
+          <a:ext cx="0" cy="0"/>
+          <a:chOff x="0" y="0"/>
+          <a:chExt cx="0" cy="0"/>
+        </a:xfrm>
+      </p:grpSpPr>
+      <p:sp>
+        <p:nvSpPr>
+          <p:cNvPr id="2" name="Slide Image Placeholder 1"/>
+          <p:cNvSpPr>
+            <a:spLocks noGrp="1" noRot="1" noChangeAspect="1"/>
+          </p:cNvSpPr>
+          <p:nvPr>
+            <p:ph type="sldImg"/>
+          </p:nvPr>
+        </p:nvSpPr>
+        <p:spPr/>
+      </p:sp>
+      <p:sp>
+        <p:nvSpPr>
+          <p:cNvPr id="3" name="Notes Placeholder 2"/>
+          <p:cNvSpPr>
+            <a:spLocks noGrp="1"/>
+          </p:cNvSpPr>
+          <p:nvPr>
+            <p:ph type="body" idx="1"/>
+          </p:nvPr>
+        </p:nvSpPr>
+        <p:spPr/>
+        <p:txBody>
+          <a:bodyPr/>
+          <a:lstStyle/>
+          <a:p>
+            <a:r>
+              <a:rPr lang="en-US" dirty="0" err="1" smtClean="0"/>
+              <a:t>Npm</a:t>
+            </a:r>
+            <a:r>
+              <a:rPr lang="en-US" dirty="0" smtClean="0"/>
+              <a:t> install </a:t>
+            </a:r>
+            <a:r>
+              <a:rPr lang="en-US" dirty="0" err="1" smtClean="0"/>
+              <a:t>lodash</a:t>
+            </a:r>
+            <a:endParaRPr lang="en-US" dirty="0" smtClean="0"/>
+          </a:p>
+          <a:p>
+            <a:endParaRPr lang="en-US" dirty="0"/>
+          </a:p>
+        </p:txBody>
+      </p:sp>
+      <p:sp>
+        <p:nvSpPr>
+          <p:cNvPr id="4" name="Slide Number Placeholder 3"/>
+          <p:cNvSpPr>
+            <a:spLocks noGrp="1"/>
+          </p:cNvSpPr>
+          <p:nvPr>
+            <p:ph type="sldNum" sz="quarter" idx="10"/>
+          </p:nvPr>
+        </p:nvSpPr>
+        <p:spPr/>
+        <p:txBody>
+          <a:bodyPr/>
+          <a:lstStyle/>
+          <a:p>
+            <a:fld id="{043CB7BC-4AFB-4847-AC93-5F4E37C870A2}" type="slidenum">
+              <a:rPr lang="en-US" smtClean="0"/>
+              <a:t>24</a:t>
+            </a:fld>
+            <a:endParaRPr lang="en-US" dirty="0"/>
+          </a:p>
+        </p:txBody>
+      </p:sp>
+    </p:spTree>
+    <p:extLst>
+      <p:ext uri="{BB962C8B-B14F-4D97-AF65-F5344CB8AC3E}">
+        <p14:creationId xmlns:p14="http://schemas.microsoft.com/office/powerpoint/2010/main" val="756655456"/>
+      </p:ext>
+    </p:extLst>
+  </p:cSld>
+  <p:clrMapOvr>
+    <a:masterClrMapping/>
+  </p:clrMapOvr>
+</p:notes>
+</file>
+
+<file path=ppt/notesSlides/notesSlide3.xml><?xml version="1.0" encoding="utf-8"?>
 <p:notes xmlns:a="http://schemas.openxmlformats.org/drawingml/2006/main" xmlns:r="http://schemas.openxmlformats.org/officeDocument/2006/relationships" xmlns:p="http://schemas.openxmlformats.org/presentationml/2006/main">
   <p:cSld>
     <p:spTree>
@@ -37899,9 +37998,17 @@
               <a:rPr lang="en-US" dirty="0" err="1"/>
               <a:t>carName</a:t>
             </a:r>
+            <a:r>
+              <a:rPr lang="en-US" dirty="0"/>
+              <a:t/>
+            </a:r>
             <a:br>
               <a:rPr lang="en-US" dirty="0"/>
             </a:br>
+            <a:r>
+              <a:rPr lang="en-US" dirty="0"/>
+              <a:t/>
+            </a:r>
             <a:br>
               <a:rPr lang="en-US" dirty="0"/>
             </a:br>
@@ -37935,6 +38042,10 @@
             <a:br>
               <a:rPr lang="en-US" dirty="0"/>
             </a:br>
+            <a:r>
+              <a:rPr lang="en-US" dirty="0"/>
+              <a:t/>
+            </a:r>
             <a:br>
               <a:rPr lang="en-US" dirty="0"/>
             </a:br>
@@ -37946,9 +38057,17 @@
               <a:rPr lang="en-US" dirty="0" err="1"/>
               <a:t>carName</a:t>
             </a:r>
+            <a:r>
+              <a:rPr lang="en-US" dirty="0"/>
+              <a:t/>
+            </a:r>
             <a:br>
               <a:rPr lang="en-US" dirty="0"/>
             </a:br>
+            <a:r>
+              <a:rPr lang="en-US" dirty="0"/>
+              <a:t/>
+            </a:r>
             <a:br>
               <a:rPr lang="en-US" dirty="0"/>
             </a:br>
@@ -37961,6 +38080,10 @@
             <a:endParaRPr lang="en-US" dirty="0"/>
           </a:p>
           <a:p>
+            <a:r>
+              <a:rPr lang="en-US" dirty="0"/>
+              <a:t/>
+            </a:r>
             <a:br>
               <a:rPr lang="en-US" dirty="0"/>
             </a:br>
@@ -38172,6 +38295,15 @@
                 <a:latin typeface="+mn-lt"/>
               </a:rPr>
             </a:br>
+            <a:r>
+              <a:rPr lang="en-US" sz="2600" dirty="0">
+                <a:solidFill>
+                  <a:schemeClr val="tx1"/>
+                </a:solidFill>
+                <a:latin typeface="+mn-lt"/>
+              </a:rPr>
+              <a:t/>
+            </a:r>
             <a:br>
               <a:rPr lang="en-US" sz="2600" dirty="0">
                 <a:solidFill>
@@ -38198,6 +38330,15 @@
               </a:rPr>
               <a:t>carName</a:t>
             </a:r>
+            <a:r>
+              <a:rPr lang="en-US" sz="2600" dirty="0">
+                <a:solidFill>
+                  <a:schemeClr val="tx1"/>
+                </a:solidFill>
+                <a:latin typeface="+mn-lt"/>
+              </a:rPr>
+              <a:t/>
+            </a:r>
             <a:br>
               <a:rPr lang="en-US" sz="2600" dirty="0">
                 <a:solidFill>
@@ -38206,6 +38347,15 @@
                 <a:latin typeface="+mn-lt"/>
               </a:rPr>
             </a:br>
+            <a:r>
+              <a:rPr lang="en-US" sz="2600" dirty="0">
+                <a:solidFill>
+                  <a:schemeClr val="tx1"/>
+                </a:solidFill>
+                <a:latin typeface="+mn-lt"/>
+              </a:rPr>
+              <a:t/>
+            </a:r>
             <a:br>
               <a:rPr lang="en-US" sz="2600" dirty="0">
                 <a:solidFill>
@@ -38249,6 +38399,15 @@
                 <a:latin typeface="+mn-lt"/>
               </a:rPr>
             </a:br>
+            <a:r>
+              <a:rPr lang="en-US" sz="2600" dirty="0">
+                <a:solidFill>
+                  <a:schemeClr val="tx1"/>
+                </a:solidFill>
+                <a:latin typeface="+mn-lt"/>
+              </a:rPr>
+              <a:t/>
+            </a:r>
             <a:br>
               <a:rPr lang="en-US" sz="2600" dirty="0">
                 <a:solidFill>
@@ -38292,6 +38451,15 @@
                 <a:latin typeface="+mn-lt"/>
               </a:rPr>
             </a:br>
+            <a:r>
+              <a:rPr lang="en-US" sz="2600" dirty="0">
+                <a:solidFill>
+                  <a:schemeClr val="tx1"/>
+                </a:solidFill>
+                <a:latin typeface="+mn-lt"/>
+              </a:rPr>
+              <a:t/>
+            </a:r>
             <a:br>
               <a:rPr lang="en-US" sz="2600" dirty="0">
                 <a:solidFill>
@@ -38936,6 +39104,15 @@
               </a:rPr>
               <a:t>77 == '77’</a:t>
             </a:r>
+            <a:r>
+              <a:rPr lang="en-US" altLang="en-US" dirty="0">
+                <a:solidFill>
+                  <a:schemeClr val="tx1"/>
+                </a:solidFill>
+                <a:latin typeface="+mn-lt"/>
+              </a:rPr>
+              <a:t/>
+            </a:r>
             <a:br>
               <a:rPr lang="en-US" altLang="en-US" dirty="0">
                 <a:solidFill>
@@ -39041,6 +39218,15 @@
                 <a:latin typeface="+mn-lt"/>
               </a:rPr>
               <a:t>77 == '77’</a:t>
+            </a:r>
+            <a:r>
+              <a:rPr lang="en-US" altLang="en-US" dirty="0">
+                <a:solidFill>
+                  <a:schemeClr val="tx1"/>
+                </a:solidFill>
+                <a:latin typeface="+mn-lt"/>
+              </a:rPr>
+              <a:t/>
             </a:r>
             <a:br>
               <a:rPr lang="en-US" altLang="en-US" dirty="0">
@@ -39286,6 +39472,15 @@
                 <a:latin typeface="+mn-lt"/>
               </a:rPr>
               <a:t>code to be executed</a:t>
+            </a:r>
+            <a:r>
+              <a:rPr lang="en-US" sz="2400" dirty="0">
+                <a:solidFill>
+                  <a:schemeClr val="tx1"/>
+                </a:solidFill>
+                <a:latin typeface="+mn-lt"/>
+              </a:rPr>
+              <a:t/>
             </a:r>
             <a:br>
               <a:rPr lang="en-US" sz="2400" dirty="0">
@@ -39795,6 +39990,10 @@
             <a:r>
               <a:rPr lang="en-US" dirty="0"/>
               <a:t>INTRODUCTION TO JAVASCRIPT</a:t>
+            </a:r>
+            <a:r>
+              <a:rPr lang="en-IN" dirty="0"/>
+              <a:t/>
             </a:r>
             <a:br>
               <a:rPr lang="en-IN" dirty="0"/>
@@ -41509,6 +41708,14 @@
                 </a:solidFill>
               </a:rPr>
             </a:br>
+            <a:r>
+              <a:rPr lang="en-US" sz="2000" dirty="0">
+                <a:solidFill>
+                  <a:schemeClr val="tx1"/>
+                </a:solidFill>
+              </a:rPr>
+              <a:t/>
+            </a:r>
             <a:br>
               <a:rPr lang="en-US" sz="2000" dirty="0">
                 <a:solidFill>
@@ -41759,7 +41966,7 @@
         <p:spPr/>
         <p:txBody>
           <a:bodyPr>
-            <a:normAutofit/>
+            <a:normAutofit lnSpcReduction="10000"/>
           </a:bodyPr>
           <a:lstStyle/>
           <a:p>
@@ -41797,8 +42004,55 @@
                 </a:solidFill>
                 <a:latin typeface="+mn-lt"/>
               </a:rPr>
-              <a:t>Example :</a:t>
-            </a:r>
+              <a:t>Example </a:t>
+            </a:r>
+            <a:r>
+              <a:rPr lang="en-US" sz="1800" b="1" dirty="0" smtClean="0">
+                <a:solidFill>
+                  <a:schemeClr val="tx1"/>
+                </a:solidFill>
+                <a:latin typeface="+mn-lt"/>
+              </a:rPr>
+              <a:t>:</a:t>
+            </a:r>
+          </a:p>
+          <a:p>
+            <a:pPr marL="400050" lvl="1" indent="0">
+              <a:buNone/>
+            </a:pPr>
+            <a:r>
+              <a:rPr lang="en-US" sz="1800" dirty="0" smtClean="0">
+                <a:solidFill>
+                  <a:schemeClr val="tx1"/>
+                </a:solidFill>
+                <a:latin typeface="+mn-lt"/>
+              </a:rPr>
+              <a:t>imports_ from ‘</a:t>
+            </a:r>
+            <a:r>
+              <a:rPr lang="en-US" sz="1800" dirty="0" err="1" smtClean="0">
+                <a:solidFill>
+                  <a:schemeClr val="tx1"/>
+                </a:solidFill>
+                <a:latin typeface="+mn-lt"/>
+              </a:rPr>
+              <a:t>lodash</a:t>
+            </a:r>
+            <a:r>
+              <a:rPr lang="en-US" sz="1800" dirty="0" smtClean="0">
+                <a:solidFill>
+                  <a:schemeClr val="tx1"/>
+                </a:solidFill>
+                <a:latin typeface="+mn-lt"/>
+              </a:rPr>
+              <a:t>’</a:t>
+            </a:r>
+            <a:endParaRPr lang="en-US" sz="1800" dirty="0">
+              <a:solidFill>
+                <a:schemeClr val="tx1"/>
+              </a:solidFill>
+              <a:latin typeface="+mn-lt"/>
+            </a:endParaRPr>
           </a:p>
           <a:p>
             <a:pPr marL="400050" lvl="1" indent="0">
@@ -42082,6 +42336,14 @@
                 </a:solidFill>
               </a:rPr>
               <a:t>Throws an error as the variable is not declared.</a:t>
+            </a:r>
+            <a:r>
+              <a:rPr lang="en-US" dirty="0">
+                <a:solidFill>
+                  <a:schemeClr val="tx1"/>
+                </a:solidFill>
+              </a:rPr>
+              <a:t/>
             </a:r>
             <a:br>
               <a:rPr lang="en-US" dirty="0">
@@ -42921,6 +43183,10 @@
               <a:rPr lang="en-US" dirty="0" err="1"/>
               <a:t>javascript</a:t>
             </a:r>
+            <a:r>
+              <a:rPr lang="en-IN" dirty="0"/>
+              <a:t/>
+            </a:r>
             <a:br>
               <a:rPr lang="en-IN" dirty="0"/>
             </a:br>
@@ -43242,6 +43508,10 @@
           <a:bodyPr/>
           <a:lstStyle/>
           <a:p>
+            <a:r>
+              <a:rPr lang="en-IN" dirty="0"/>
+              <a:t/>
+            </a:r>
             <a:br>
               <a:rPr lang="en-IN" dirty="0"/>
             </a:br>
